--- a/User Manual.pptx
+++ b/User Manual.pptx
@@ -273,7 +273,7 @@
           <a:p>
             <a:fld id="{642505DE-C232-42B2-A9A3-7A46F855F154}" type="datetimeFigureOut">
               <a:rPr lang="pt-BR" smtClean="0"/>
-              <a:t>05/01/2021</a:t>
+              <a:t>20/05/2021</a:t>
             </a:fld>
             <a:endParaRPr lang="pt-BR"/>
           </a:p>
@@ -443,7 +443,7 @@
           <a:p>
             <a:fld id="{642505DE-C232-42B2-A9A3-7A46F855F154}" type="datetimeFigureOut">
               <a:rPr lang="pt-BR" smtClean="0"/>
-              <a:t>05/01/2021</a:t>
+              <a:t>20/05/2021</a:t>
             </a:fld>
             <a:endParaRPr lang="pt-BR"/>
           </a:p>
@@ -623,7 +623,7 @@
           <a:p>
             <a:fld id="{642505DE-C232-42B2-A9A3-7A46F855F154}" type="datetimeFigureOut">
               <a:rPr lang="pt-BR" smtClean="0"/>
-              <a:t>05/01/2021</a:t>
+              <a:t>20/05/2021</a:t>
             </a:fld>
             <a:endParaRPr lang="pt-BR"/>
           </a:p>
@@ -793,7 +793,7 @@
           <a:p>
             <a:fld id="{642505DE-C232-42B2-A9A3-7A46F855F154}" type="datetimeFigureOut">
               <a:rPr lang="pt-BR" smtClean="0"/>
-              <a:t>05/01/2021</a:t>
+              <a:t>20/05/2021</a:t>
             </a:fld>
             <a:endParaRPr lang="pt-BR"/>
           </a:p>
@@ -1039,7 +1039,7 @@
           <a:p>
             <a:fld id="{642505DE-C232-42B2-A9A3-7A46F855F154}" type="datetimeFigureOut">
               <a:rPr lang="pt-BR" smtClean="0"/>
-              <a:t>05/01/2021</a:t>
+              <a:t>20/05/2021</a:t>
             </a:fld>
             <a:endParaRPr lang="pt-BR"/>
           </a:p>
@@ -1271,7 +1271,7 @@
           <a:p>
             <a:fld id="{642505DE-C232-42B2-A9A3-7A46F855F154}" type="datetimeFigureOut">
               <a:rPr lang="pt-BR" smtClean="0"/>
-              <a:t>05/01/2021</a:t>
+              <a:t>20/05/2021</a:t>
             </a:fld>
             <a:endParaRPr lang="pt-BR"/>
           </a:p>
@@ -1638,7 +1638,7 @@
           <a:p>
             <a:fld id="{642505DE-C232-42B2-A9A3-7A46F855F154}" type="datetimeFigureOut">
               <a:rPr lang="pt-BR" smtClean="0"/>
-              <a:t>05/01/2021</a:t>
+              <a:t>20/05/2021</a:t>
             </a:fld>
             <a:endParaRPr lang="pt-BR"/>
           </a:p>
@@ -1756,7 +1756,7 @@
           <a:p>
             <a:fld id="{642505DE-C232-42B2-A9A3-7A46F855F154}" type="datetimeFigureOut">
               <a:rPr lang="pt-BR" smtClean="0"/>
-              <a:t>05/01/2021</a:t>
+              <a:t>20/05/2021</a:t>
             </a:fld>
             <a:endParaRPr lang="pt-BR"/>
           </a:p>
@@ -1851,7 +1851,7 @@
           <a:p>
             <a:fld id="{642505DE-C232-42B2-A9A3-7A46F855F154}" type="datetimeFigureOut">
               <a:rPr lang="pt-BR" smtClean="0"/>
-              <a:t>05/01/2021</a:t>
+              <a:t>20/05/2021</a:t>
             </a:fld>
             <a:endParaRPr lang="pt-BR"/>
           </a:p>
@@ -2128,7 +2128,7 @@
           <a:p>
             <a:fld id="{642505DE-C232-42B2-A9A3-7A46F855F154}" type="datetimeFigureOut">
               <a:rPr lang="pt-BR" smtClean="0"/>
-              <a:t>05/01/2021</a:t>
+              <a:t>20/05/2021</a:t>
             </a:fld>
             <a:endParaRPr lang="pt-BR"/>
           </a:p>
@@ -2381,7 +2381,7 @@
           <a:p>
             <a:fld id="{642505DE-C232-42B2-A9A3-7A46F855F154}" type="datetimeFigureOut">
               <a:rPr lang="pt-BR" smtClean="0"/>
-              <a:t>05/01/2021</a:t>
+              <a:t>20/05/2021</a:t>
             </a:fld>
             <a:endParaRPr lang="pt-BR"/>
           </a:p>
@@ -2597,7 +2597,7 @@
           <a:p>
             <a:fld id="{642505DE-C232-42B2-A9A3-7A46F855F154}" type="datetimeFigureOut">
               <a:rPr lang="pt-BR" smtClean="0"/>
-              <a:t>05/01/2021</a:t>
+              <a:t>20/05/2021</a:t>
             </a:fld>
             <a:endParaRPr lang="pt-BR"/>
           </a:p>
@@ -3169,7 +3169,7 @@
                 <a:latin typeface="Roboto" panose="02000000000000000000" pitchFamily="2" charset="0"/>
                 <a:ea typeface="Roboto" panose="02000000000000000000" pitchFamily="2" charset="0"/>
               </a:rPr>
-              <a:t>Felips</a:t>
+              <a:t>Felip’s</a:t>
             </a:r>
             <a:r>
               <a:rPr lang="pt-BR" dirty="0" smtClean="0">
@@ -3181,7 +3181,7 @@
                 <a:latin typeface="Roboto" panose="02000000000000000000" pitchFamily="2" charset="0"/>
                 <a:ea typeface="Roboto" panose="02000000000000000000" pitchFamily="2" charset="0"/>
               </a:rPr>
-              <a:t>’ </a:t>
+              <a:t> </a:t>
             </a:r>
             <a:r>
               <a:rPr lang="pt-BR" dirty="0" err="1" smtClean="0">

--- a/User Manual.pptx
+++ b/User Manual.pptx
@@ -8368,7 +8368,7 @@
                 <a:latin typeface="Roboto" panose="02000000000000000000" pitchFamily="2" charset="0"/>
                 <a:ea typeface="Roboto" panose="02000000000000000000" pitchFamily="2" charset="0"/>
               </a:rPr>
-              <a:t>Felips</a:t>
+              <a:t>Felip’s</a:t>
             </a:r>
             <a:r>
               <a:rPr lang="pt-BR" dirty="0" smtClean="0">
@@ -8380,7 +8380,7 @@
                 <a:latin typeface="Roboto" panose="02000000000000000000" pitchFamily="2" charset="0"/>
                 <a:ea typeface="Roboto" panose="02000000000000000000" pitchFamily="2" charset="0"/>
               </a:rPr>
-              <a:t>’ </a:t>
+              <a:t> </a:t>
             </a:r>
             <a:r>
               <a:rPr lang="pt-BR" dirty="0" err="1" smtClean="0">
